--- a/24_LR/Regression Analytics2.pptx
+++ b/24_LR/Regression Analytics2.pptx
@@ -210,7 +210,7 @@
             <a:fld id="{5D2D1DF4-BF36-4DC4-9103-68A6925584FC}" type="datetimeFigureOut">
               <a:rPr lang="en-US" smtClean="0"/>
               <a:pPr/>
-              <a:t>8/22/2021</a:t>
+              <a:t>10/3/2021</a:t>
             </a:fld>
             <a:endParaRPr lang="en-US"/>
           </a:p>
@@ -658,7 +658,7 @@
             <a:fld id="{7C51C1F5-096B-4BB1-BDE5-07C118932A00}" type="datetimeFigureOut">
               <a:rPr lang="en-US" smtClean="0"/>
               <a:pPr/>
-              <a:t>8/22/2021</a:t>
+              <a:t>10/3/2021</a:t>
             </a:fld>
             <a:endParaRPr lang="en-US"/>
           </a:p>
@@ -825,7 +825,7 @@
             <a:fld id="{7C51C1F5-096B-4BB1-BDE5-07C118932A00}" type="datetimeFigureOut">
               <a:rPr lang="en-US" smtClean="0"/>
               <a:pPr/>
-              <a:t>8/22/2021</a:t>
+              <a:t>10/3/2021</a:t>
             </a:fld>
             <a:endParaRPr lang="en-US"/>
           </a:p>
@@ -1002,7 +1002,7 @@
             <a:fld id="{7C51C1F5-096B-4BB1-BDE5-07C118932A00}" type="datetimeFigureOut">
               <a:rPr lang="en-US" smtClean="0"/>
               <a:pPr/>
-              <a:t>8/22/2021</a:t>
+              <a:t>10/3/2021</a:t>
             </a:fld>
             <a:endParaRPr lang="en-US"/>
           </a:p>
@@ -1169,7 +1169,7 @@
             <a:fld id="{7C51C1F5-096B-4BB1-BDE5-07C118932A00}" type="datetimeFigureOut">
               <a:rPr lang="en-US" smtClean="0"/>
               <a:pPr/>
-              <a:t>8/22/2021</a:t>
+              <a:t>10/3/2021</a:t>
             </a:fld>
             <a:endParaRPr lang="en-US"/>
           </a:p>
@@ -1412,7 +1412,7 @@
             <a:fld id="{7C51C1F5-096B-4BB1-BDE5-07C118932A00}" type="datetimeFigureOut">
               <a:rPr lang="en-US" smtClean="0"/>
               <a:pPr/>
-              <a:t>8/22/2021</a:t>
+              <a:t>10/3/2021</a:t>
             </a:fld>
             <a:endParaRPr lang="en-US"/>
           </a:p>
@@ -1697,7 +1697,7 @@
             <a:fld id="{7C51C1F5-096B-4BB1-BDE5-07C118932A00}" type="datetimeFigureOut">
               <a:rPr lang="en-US" smtClean="0"/>
               <a:pPr/>
-              <a:t>8/22/2021</a:t>
+              <a:t>10/3/2021</a:t>
             </a:fld>
             <a:endParaRPr lang="en-US"/>
           </a:p>
@@ -2116,7 +2116,7 @@
             <a:fld id="{7C51C1F5-096B-4BB1-BDE5-07C118932A00}" type="datetimeFigureOut">
               <a:rPr lang="en-US" smtClean="0"/>
               <a:pPr/>
-              <a:t>8/22/2021</a:t>
+              <a:t>10/3/2021</a:t>
             </a:fld>
             <a:endParaRPr lang="en-US"/>
           </a:p>
@@ -2231,7 +2231,7 @@
             <a:fld id="{7C51C1F5-096B-4BB1-BDE5-07C118932A00}" type="datetimeFigureOut">
               <a:rPr lang="en-US" smtClean="0"/>
               <a:pPr/>
-              <a:t>8/22/2021</a:t>
+              <a:t>10/3/2021</a:t>
             </a:fld>
             <a:endParaRPr lang="en-US"/>
           </a:p>
@@ -2323,7 +2323,7 @@
             <a:fld id="{7C51C1F5-096B-4BB1-BDE5-07C118932A00}" type="datetimeFigureOut">
               <a:rPr lang="en-US" smtClean="0"/>
               <a:pPr/>
-              <a:t>8/22/2021</a:t>
+              <a:t>10/3/2021</a:t>
             </a:fld>
             <a:endParaRPr lang="en-US"/>
           </a:p>
@@ -2597,7 +2597,7 @@
             <a:fld id="{7C51C1F5-096B-4BB1-BDE5-07C118932A00}" type="datetimeFigureOut">
               <a:rPr lang="en-US" smtClean="0"/>
               <a:pPr/>
-              <a:t>8/22/2021</a:t>
+              <a:t>10/3/2021</a:t>
             </a:fld>
             <a:endParaRPr lang="en-US"/>
           </a:p>
@@ -2847,7 +2847,7 @@
             <a:fld id="{7C51C1F5-096B-4BB1-BDE5-07C118932A00}" type="datetimeFigureOut">
               <a:rPr lang="en-US" smtClean="0"/>
               <a:pPr/>
-              <a:t>8/22/2021</a:t>
+              <a:t>10/3/2021</a:t>
             </a:fld>
             <a:endParaRPr lang="en-US"/>
           </a:p>
@@ -3057,7 +3057,7 @@
             <a:fld id="{7C51C1F5-096B-4BB1-BDE5-07C118932A00}" type="datetimeFigureOut">
               <a:rPr lang="en-US" smtClean="0"/>
               <a:pPr/>
-              <a:t>8/22/2021</a:t>
+              <a:t>10/3/2021</a:t>
             </a:fld>
             <a:endParaRPr lang="en-US"/>
           </a:p>
@@ -8011,11 +8011,11 @@
               </a:spcBef>
             </a:pPr>
             <a:r>
-              <a:rPr lang="en-US" b="1"/>
+              <a:rPr lang="en-US" b="1" dirty="0"/>
               <a:t>SST</a:t>
             </a:r>
             <a:r>
-              <a:rPr lang="en-US" b="1">
+              <a:rPr lang="en-US" b="1" dirty="0">
                 <a:solidFill>
                   <a:schemeClr val="tx2"/>
                 </a:solidFill>
@@ -8023,11 +8023,11 @@
               <a:t> </a:t>
             </a:r>
             <a:r>
-              <a:rPr lang="en-US" b="1"/>
+              <a:rPr lang="en-US" b="1" dirty="0"/>
               <a:t>=</a:t>
             </a:r>
             <a:r>
-              <a:rPr lang="en-US" b="1">
+              <a:rPr lang="en-US" b="1" dirty="0">
                 <a:solidFill>
                   <a:schemeClr val="tx2"/>
                 </a:solidFill>
@@ -8035,21 +8035,21 @@
               <a:t> </a:t>
             </a:r>
             <a:r>
-              <a:rPr lang="en-US" b="1">
+              <a:rPr lang="en-US" b="1" dirty="0">
                 <a:latin typeface="Symbol" pitchFamily="18" charset="2"/>
               </a:rPr>
               <a:t></a:t>
             </a:r>
             <a:r>
-              <a:rPr lang="en-US" b="1"/>
+              <a:rPr lang="en-US" b="1" dirty="0"/>
               <a:t>(Y</a:t>
             </a:r>
             <a:r>
-              <a:rPr lang="en-US" b="1" baseline="-25000"/>
+              <a:rPr lang="en-US" b="1" baseline="-25000" dirty="0"/>
               <a:t>i</a:t>
             </a:r>
             <a:r>
-              <a:rPr lang="en-US" b="1" baseline="-25000">
+              <a:rPr lang="en-US" b="1" baseline="-25000" dirty="0">
                 <a:solidFill>
                   <a:schemeClr val="tx2"/>
                 </a:solidFill>
@@ -8057,11 +8057,11 @@
               <a:t> </a:t>
             </a:r>
             <a:r>
-              <a:rPr lang="en-US" b="1"/>
+              <a:rPr lang="en-US" b="1" dirty="0"/>
               <a:t>-</a:t>
             </a:r>
             <a:r>
-              <a:rPr lang="en-US" b="1">
+              <a:rPr lang="en-US" b="1" dirty="0">
                 <a:solidFill>
                   <a:schemeClr val="tx2"/>
                 </a:solidFill>
@@ -8069,7 +8069,7 @@
               <a:t> </a:t>
             </a:r>
             <a:r>
-              <a:rPr lang="en-US" b="1">
+              <a:rPr lang="en-US" b="1" dirty="0">
                 <a:solidFill>
                   <a:schemeClr val="hlink"/>
                 </a:solidFill>
@@ -8077,11 +8077,11 @@
               <a:t>Y</a:t>
             </a:r>
             <a:r>
-              <a:rPr lang="en-US" b="1"/>
+              <a:rPr lang="en-US" b="1" dirty="0"/>
               <a:t>)</a:t>
             </a:r>
             <a:r>
-              <a:rPr lang="en-US" b="1" baseline="30000"/>
+              <a:rPr lang="en-US" b="1" baseline="30000" dirty="0"/>
               <a:t>2</a:t>
             </a:r>
           </a:p>
@@ -8459,7 +8459,7 @@
         </p:nvSpPr>
         <p:spPr bwMode="auto">
           <a:xfrm>
-            <a:off x="6248400" y="2057400"/>
+            <a:off x="5655915" y="2182887"/>
             <a:ext cx="1076325" cy="454025"/>
           </a:xfrm>
           <a:prstGeom prst="rect">
@@ -8485,7 +8485,7 @@
               </a:spcBef>
             </a:pPr>
             <a:r>
-              <a:rPr lang="en-US" b="1">
+              <a:rPr lang="en-US" b="1" dirty="0">
                 <a:solidFill>
                   <a:schemeClr val="folHlink"/>
                 </a:solidFill>
@@ -9020,7 +9020,7 @@
         </p:nvSpPr>
         <p:spPr bwMode="auto">
           <a:xfrm>
-            <a:off x="2514600" y="2743200"/>
+            <a:off x="1835696" y="2780928"/>
             <a:ext cx="606425" cy="515938"/>
           </a:xfrm>
           <a:prstGeom prst="rect">
@@ -9046,7 +9046,7 @@
               </a:spcBef>
             </a:pPr>
             <a:r>
-              <a:rPr lang="en-US" sz="2800" b="1">
+              <a:rPr lang="en-US" sz="2800" b="1" dirty="0">
                 <a:solidFill>
                   <a:schemeClr val="hlink"/>
                 </a:solidFill>
